--- a/Final Projectv1.pptx
+++ b/Final Projectv1.pptx
@@ -1969,14 +1969,14 @@
           </a:ln>
           <a:extLst>
             <a:ext uri="{909E8E84-426E-40dd-AFC4-6F175D3DCCD1}">
-              <a14:hiddenFill xmlns="" xmlns:a14="http://schemas.microsoft.com/office/drawing/2010/main">
+              <a14:hiddenFill xmlns:a14="http://schemas.microsoft.com/office/drawing/2010/main" xmlns="">
                 <a:solidFill>
                   <a:srgbClr val="FFFFFF"/>
                 </a:solidFill>
               </a14:hiddenFill>
             </a:ext>
             <a:ext uri="{91240B29-F687-4f45-9708-019B960494DF}">
-              <a14:hiddenLine xmlns="" xmlns:a14="http://schemas.microsoft.com/office/drawing/2010/main" w="9525">
+              <a14:hiddenLine xmlns:a14="http://schemas.microsoft.com/office/drawing/2010/main" xmlns="" w="9525">
                 <a:solidFill>
                   <a:srgbClr val="000000"/>
                 </a:solidFill>
@@ -2141,14 +2141,14 @@
           </a:ln>
           <a:extLst>
             <a:ext uri="{909E8E84-426E-40dd-AFC4-6F175D3DCCD1}">
-              <a14:hiddenFill xmlns="" xmlns:a14="http://schemas.microsoft.com/office/drawing/2010/main">
+              <a14:hiddenFill xmlns:a14="http://schemas.microsoft.com/office/drawing/2010/main" xmlns="">
                 <a:solidFill>
                   <a:srgbClr val="FFFFFF"/>
                 </a:solidFill>
               </a14:hiddenFill>
             </a:ext>
             <a:ext uri="{91240B29-F687-4f45-9708-019B960494DF}">
-              <a14:hiddenLine xmlns="" xmlns:a14="http://schemas.microsoft.com/office/drawing/2010/main" w="9525">
+              <a14:hiddenLine xmlns:a14="http://schemas.microsoft.com/office/drawing/2010/main" xmlns="" w="9525">
                 <a:solidFill>
                   <a:srgbClr val="000000"/>
                 </a:solidFill>
@@ -5056,14 +5056,14 @@
           </a:ln>
           <a:extLst>
             <a:ext uri="{909E8E84-426E-40dd-AFC4-6F175D3DCCD1}">
-              <a14:hiddenFill xmlns="" xmlns:a14="http://schemas.microsoft.com/office/drawing/2010/main">
+              <a14:hiddenFill xmlns:a14="http://schemas.microsoft.com/office/drawing/2010/main" xmlns="">
                 <a:solidFill>
                   <a:srgbClr val="FFFFFF"/>
                 </a:solidFill>
               </a14:hiddenFill>
             </a:ext>
             <a:ext uri="{91240B29-F687-4f45-9708-019B960494DF}">
-              <a14:hiddenLine xmlns="" xmlns:a14="http://schemas.microsoft.com/office/drawing/2010/main" w="9525">
+              <a14:hiddenLine xmlns:a14="http://schemas.microsoft.com/office/drawing/2010/main" xmlns="" w="9525">
                 <a:solidFill>
                   <a:srgbClr val="000000"/>
                 </a:solidFill>
@@ -5102,7 +5102,7 @@
           </a:ln>
           <a:extLst>
             <a:ext uri="{909E8E84-426E-40dd-AFC4-6F175D3DCCD1}">
-              <a14:hiddenFill xmlns="" xmlns:a14="http://schemas.microsoft.com/office/drawing/2010/main">
+              <a14:hiddenFill xmlns:a14="http://schemas.microsoft.com/office/drawing/2010/main" xmlns="">
                 <a:noFill/>
               </a14:hiddenFill>
             </a:ext>
@@ -5144,14 +5144,14 @@
           </a:ln>
           <a:extLst>
             <a:ext uri="{909E8E84-426E-40dd-AFC4-6F175D3DCCD1}">
-              <a14:hiddenFill xmlns="" xmlns:a14="http://schemas.microsoft.com/office/drawing/2010/main">
+              <a14:hiddenFill xmlns:a14="http://schemas.microsoft.com/office/drawing/2010/main" xmlns="">
                 <a:solidFill>
                   <a:srgbClr val="FFFFFF"/>
                 </a:solidFill>
               </a14:hiddenFill>
             </a:ext>
             <a:ext uri="{91240B29-F687-4f45-9708-019B960494DF}">
-              <a14:hiddenLine xmlns="" xmlns:a14="http://schemas.microsoft.com/office/drawing/2010/main" w="9525">
+              <a14:hiddenLine xmlns:a14="http://schemas.microsoft.com/office/drawing/2010/main" xmlns="" w="9525">
                 <a:solidFill>
                   <a:srgbClr val="000000"/>
                 </a:solidFill>
@@ -5408,14 +5408,14 @@
           </a:ln>
           <a:extLst>
             <a:ext uri="{909E8E84-426E-40dd-AFC4-6F175D3DCCD1}">
-              <a14:hiddenFill xmlns="" xmlns:a14="http://schemas.microsoft.com/office/drawing/2010/main">
+              <a14:hiddenFill xmlns:a14="http://schemas.microsoft.com/office/drawing/2010/main" xmlns="">
                 <a:solidFill>
                   <a:srgbClr val="FFFFFF"/>
                 </a:solidFill>
               </a14:hiddenFill>
             </a:ext>
             <a:ext uri="{91240B29-F687-4f45-9708-019B960494DF}">
-              <a14:hiddenLine xmlns="" xmlns:a14="http://schemas.microsoft.com/office/drawing/2010/main" w="9525">
+              <a14:hiddenLine xmlns:a14="http://schemas.microsoft.com/office/drawing/2010/main" xmlns="" w="9525">
                 <a:solidFill>
                   <a:srgbClr val="000000"/>
                 </a:solidFill>
@@ -5449,14 +5449,14 @@
           </a:ln>
           <a:extLst>
             <a:ext uri="{909E8E84-426E-40dd-AFC4-6F175D3DCCD1}">
-              <a14:hiddenFill xmlns="" xmlns:a14="http://schemas.microsoft.com/office/drawing/2010/main">
+              <a14:hiddenFill xmlns:a14="http://schemas.microsoft.com/office/drawing/2010/main" xmlns="">
                 <a:solidFill>
                   <a:srgbClr val="FFFFFF"/>
                 </a:solidFill>
               </a14:hiddenFill>
             </a:ext>
             <a:ext uri="{91240B29-F687-4f45-9708-019B960494DF}">
-              <a14:hiddenLine xmlns="" xmlns:a14="http://schemas.microsoft.com/office/drawing/2010/main" w="9525">
+              <a14:hiddenLine xmlns:a14="http://schemas.microsoft.com/office/drawing/2010/main" xmlns="" w="9525">
                 <a:solidFill>
                   <a:srgbClr val="000000"/>
                 </a:solidFill>
@@ -8042,14 +8042,14 @@
           </a:ln>
           <a:extLst>
             <a:ext uri="{909E8E84-426E-40dd-AFC4-6F175D3DCCD1}">
-              <a14:hiddenFill xmlns="" xmlns:a14="http://schemas.microsoft.com/office/drawing/2010/main">
+              <a14:hiddenFill xmlns:a14="http://schemas.microsoft.com/office/drawing/2010/main" xmlns="">
                 <a:solidFill>
                   <a:srgbClr val="FFFFFF"/>
                 </a:solidFill>
               </a14:hiddenFill>
             </a:ext>
             <a:ext uri="{91240B29-F687-4f45-9708-019B960494DF}">
-              <a14:hiddenLine xmlns="" xmlns:a14="http://schemas.microsoft.com/office/drawing/2010/main" w="9525">
+              <a14:hiddenLine xmlns:a14="http://schemas.microsoft.com/office/drawing/2010/main" xmlns="" w="9525">
                 <a:solidFill>
                   <a:srgbClr val="000000"/>
                 </a:solidFill>
@@ -8088,7 +8088,7 @@
           </a:ln>
           <a:extLst>
             <a:ext uri="{909E8E84-426E-40dd-AFC4-6F175D3DCCD1}">
-              <a14:hiddenFill xmlns="" xmlns:a14="http://schemas.microsoft.com/office/drawing/2010/main">
+              <a14:hiddenFill xmlns:a14="http://schemas.microsoft.com/office/drawing/2010/main" xmlns="">
                 <a:noFill/>
               </a14:hiddenFill>
             </a:ext>
@@ -8130,14 +8130,14 @@
           </a:ln>
           <a:extLst>
             <a:ext uri="{909E8E84-426E-40dd-AFC4-6F175D3DCCD1}">
-              <a14:hiddenFill xmlns="" xmlns:a14="http://schemas.microsoft.com/office/drawing/2010/main">
+              <a14:hiddenFill xmlns:a14="http://schemas.microsoft.com/office/drawing/2010/main" xmlns="">
                 <a:solidFill>
                   <a:srgbClr val="FFFFFF"/>
                 </a:solidFill>
               </a14:hiddenFill>
             </a:ext>
             <a:ext uri="{91240B29-F687-4f45-9708-019B960494DF}">
-              <a14:hiddenLine xmlns="" xmlns:a14="http://schemas.microsoft.com/office/drawing/2010/main" w="9525">
+              <a14:hiddenLine xmlns:a14="http://schemas.microsoft.com/office/drawing/2010/main" xmlns="" w="9525">
                 <a:solidFill>
                   <a:srgbClr val="000000"/>
                 </a:solidFill>
@@ -8794,14 +8794,14 @@
           </a:ln>
           <a:extLst>
             <a:ext uri="{909E8E84-426E-40dd-AFC4-6F175D3DCCD1}">
-              <a14:hiddenFill xmlns="" xmlns:a14="http://schemas.microsoft.com/office/drawing/2010/main">
+              <a14:hiddenFill xmlns:a14="http://schemas.microsoft.com/office/drawing/2010/main" xmlns="">
                 <a:solidFill>
                   <a:srgbClr val="FFFFFF"/>
                 </a:solidFill>
               </a14:hiddenFill>
             </a:ext>
             <a:ext uri="{91240B29-F687-4f45-9708-019B960494DF}">
-              <a14:hiddenLine xmlns="" xmlns:a14="http://schemas.microsoft.com/office/drawing/2010/main" w="9525">
+              <a14:hiddenLine xmlns:a14="http://schemas.microsoft.com/office/drawing/2010/main" xmlns="" w="9525">
                 <a:solidFill>
                   <a:srgbClr val="000000"/>
                 </a:solidFill>
@@ -8835,14 +8835,14 @@
           </a:ln>
           <a:extLst>
             <a:ext uri="{909E8E84-426E-40dd-AFC4-6F175D3DCCD1}">
-              <a14:hiddenFill xmlns="" xmlns:a14="http://schemas.microsoft.com/office/drawing/2010/main">
+              <a14:hiddenFill xmlns:a14="http://schemas.microsoft.com/office/drawing/2010/main" xmlns="">
                 <a:solidFill>
                   <a:srgbClr val="FFFFFF"/>
                 </a:solidFill>
               </a14:hiddenFill>
             </a:ext>
             <a:ext uri="{91240B29-F687-4f45-9708-019B960494DF}">
-              <a14:hiddenLine xmlns="" xmlns:a14="http://schemas.microsoft.com/office/drawing/2010/main" w="9525">
+              <a14:hiddenLine xmlns:a14="http://schemas.microsoft.com/office/drawing/2010/main" xmlns="" w="9525">
                 <a:solidFill>
                   <a:srgbClr val="000000"/>
                 </a:solidFill>
@@ -9065,14 +9065,14 @@
           </a:ln>
           <a:extLst>
             <a:ext uri="{909E8E84-426E-40dd-AFC4-6F175D3DCCD1}">
-              <a14:hiddenFill xmlns="" xmlns:a14="http://schemas.microsoft.com/office/drawing/2010/main">
+              <a14:hiddenFill xmlns:a14="http://schemas.microsoft.com/office/drawing/2010/main" xmlns="">
                 <a:solidFill>
                   <a:srgbClr val="FFFFFF"/>
                 </a:solidFill>
               </a14:hiddenFill>
             </a:ext>
             <a:ext uri="{91240B29-F687-4f45-9708-019B960494DF}">
-              <a14:hiddenLine xmlns="" xmlns:a14="http://schemas.microsoft.com/office/drawing/2010/main" w="9525">
+              <a14:hiddenLine xmlns:a14="http://schemas.microsoft.com/office/drawing/2010/main" xmlns="" w="9525">
                 <a:solidFill>
                   <a:srgbClr val="000000"/>
                 </a:solidFill>
@@ -9146,7 +9146,7 @@
           </a:ln>
           <a:extLst>
             <a:ext uri="{909E8E84-426E-40dd-AFC4-6F175D3DCCD1}">
-              <a14:hiddenFill xmlns="" xmlns:a14="http://schemas.microsoft.com/office/drawing/2010/main">
+              <a14:hiddenFill xmlns:a14="http://schemas.microsoft.com/office/drawing/2010/main" xmlns="">
                 <a:noFill/>
               </a14:hiddenFill>
             </a:ext>
@@ -9188,14 +9188,14 @@
           </a:ln>
           <a:extLst>
             <a:ext uri="{909E8E84-426E-40dd-AFC4-6F175D3DCCD1}">
-              <a14:hiddenFill xmlns="" xmlns:a14="http://schemas.microsoft.com/office/drawing/2010/main">
+              <a14:hiddenFill xmlns:a14="http://schemas.microsoft.com/office/drawing/2010/main" xmlns="">
                 <a:solidFill>
                   <a:srgbClr val="FFFFFF"/>
                 </a:solidFill>
               </a14:hiddenFill>
             </a:ext>
             <a:ext uri="{91240B29-F687-4f45-9708-019B960494DF}">
-              <a14:hiddenLine xmlns="" xmlns:a14="http://schemas.microsoft.com/office/drawing/2010/main" w="9525">
+              <a14:hiddenLine xmlns:a14="http://schemas.microsoft.com/office/drawing/2010/main" xmlns="" w="9525">
                 <a:solidFill>
                   <a:srgbClr val="000000"/>
                 </a:solidFill>
@@ -9242,14 +9242,14 @@
           </a:ln>
           <a:extLst>
             <a:ext uri="{909E8E84-426E-40dd-AFC4-6F175D3DCCD1}">
-              <a14:hiddenFill xmlns="" xmlns:a14="http://schemas.microsoft.com/office/drawing/2010/main">
+              <a14:hiddenFill xmlns:a14="http://schemas.microsoft.com/office/drawing/2010/main" xmlns="">
                 <a:solidFill>
                   <a:srgbClr val="FFFFFF"/>
                 </a:solidFill>
               </a14:hiddenFill>
             </a:ext>
             <a:ext uri="{91240B29-F687-4f45-9708-019B960494DF}">
-              <a14:hiddenLine xmlns="" xmlns:a14="http://schemas.microsoft.com/office/drawing/2010/main" w="9525">
+              <a14:hiddenLine xmlns:a14="http://schemas.microsoft.com/office/drawing/2010/main" xmlns="" w="9525">
                 <a:solidFill>
                   <a:srgbClr val="000000"/>
                 </a:solidFill>
@@ -10734,7 +10734,7 @@
           </a:ln>
           <a:extLst>
             <a:ext uri="{91240B29-F687-4f45-9708-019B960494DF}">
-              <a14:hiddenLine xmlns="" xmlns:a14="http://schemas.microsoft.com/office/drawing/2010/main" w="9525">
+              <a14:hiddenLine xmlns:a14="http://schemas.microsoft.com/office/drawing/2010/main" xmlns="" w="9525">
                 <a:solidFill>
                   <a:srgbClr val="000000"/>
                 </a:solidFill>
@@ -10881,14 +10881,14 @@
           </a:ln>
           <a:extLst>
             <a:ext uri="{909E8E84-426E-40dd-AFC4-6F175D3DCCD1}">
-              <a14:hiddenFill xmlns="" xmlns:a14="http://schemas.microsoft.com/office/drawing/2010/main">
+              <a14:hiddenFill xmlns:a14="http://schemas.microsoft.com/office/drawing/2010/main" xmlns="">
                 <a:solidFill>
                   <a:srgbClr val="FFFFFF"/>
                 </a:solidFill>
               </a14:hiddenFill>
             </a:ext>
             <a:ext uri="{91240B29-F687-4f45-9708-019B960494DF}">
-              <a14:hiddenLine xmlns="" xmlns:a14="http://schemas.microsoft.com/office/drawing/2010/main" w="9525">
+              <a14:hiddenLine xmlns:a14="http://schemas.microsoft.com/office/drawing/2010/main" xmlns="" w="9525">
                 <a:solidFill>
                   <a:srgbClr val="000000"/>
                 </a:solidFill>
@@ -10898,7 +10898,7 @@
               </a14:hiddenLine>
             </a:ext>
             <a:ext uri="{FAA26D3D-D897-4be2-8F04-BA451C77F1D7}">
-              <ma14:placeholderFlag xmlns="" xmlns:ma14="http://schemas.microsoft.com/office/mac/drawingml/2011/main" val="1"/>
+              <ma14:placeholderFlag xmlns:ma14="http://schemas.microsoft.com/office/mac/drawingml/2011/main" xmlns="" val="1"/>
             </a:ext>
           </a:extLst>
         </p:spPr>
@@ -10942,14 +10942,14 @@
           </a:ln>
           <a:extLst>
             <a:ext uri="{909E8E84-426E-40dd-AFC4-6F175D3DCCD1}">
-              <a14:hiddenFill xmlns="" xmlns:a14="http://schemas.microsoft.com/office/drawing/2010/main">
+              <a14:hiddenFill xmlns:a14="http://schemas.microsoft.com/office/drawing/2010/main" xmlns="">
                 <a:solidFill>
                   <a:srgbClr val="FFFFFF"/>
                 </a:solidFill>
               </a14:hiddenFill>
             </a:ext>
             <a:ext uri="{91240B29-F687-4f45-9708-019B960494DF}">
-              <a14:hiddenLine xmlns="" xmlns:a14="http://schemas.microsoft.com/office/drawing/2010/main" w="9525">
+              <a14:hiddenLine xmlns:a14="http://schemas.microsoft.com/office/drawing/2010/main" xmlns="" w="9525">
                 <a:solidFill>
                   <a:srgbClr val="000000"/>
                 </a:solidFill>
@@ -10959,7 +10959,7 @@
               </a14:hiddenLine>
             </a:ext>
             <a:ext uri="{FAA26D3D-D897-4be2-8F04-BA451C77F1D7}">
-              <ma14:placeholderFlag xmlns="" xmlns:ma14="http://schemas.microsoft.com/office/mac/drawingml/2011/main" val="1"/>
+              <ma14:placeholderFlag xmlns:ma14="http://schemas.microsoft.com/office/mac/drawingml/2011/main" xmlns="" val="1"/>
             </a:ext>
           </a:extLst>
         </p:spPr>
@@ -11624,7 +11624,7 @@
           </a:ln>
           <a:extLst>
             <a:ext uri="{91240B29-F687-4f45-9708-019B960494DF}">
-              <a14:hiddenLine xmlns="" xmlns:a14="http://schemas.microsoft.com/office/drawing/2010/main" w="9525">
+              <a14:hiddenLine xmlns:a14="http://schemas.microsoft.com/office/drawing/2010/main" xmlns="" w="9525">
                 <a:solidFill>
                   <a:srgbClr val="000000"/>
                 </a:solidFill>
@@ -11771,14 +11771,14 @@
           </a:ln>
           <a:extLst>
             <a:ext uri="{909E8E84-426E-40dd-AFC4-6F175D3DCCD1}">
-              <a14:hiddenFill xmlns="" xmlns:a14="http://schemas.microsoft.com/office/drawing/2010/main">
+              <a14:hiddenFill xmlns:a14="http://schemas.microsoft.com/office/drawing/2010/main" xmlns="">
                 <a:solidFill>
                   <a:srgbClr val="FFFFFF"/>
                 </a:solidFill>
               </a14:hiddenFill>
             </a:ext>
             <a:ext uri="{91240B29-F687-4f45-9708-019B960494DF}">
-              <a14:hiddenLine xmlns="" xmlns:a14="http://schemas.microsoft.com/office/drawing/2010/main" w="9525">
+              <a14:hiddenLine xmlns:a14="http://schemas.microsoft.com/office/drawing/2010/main" xmlns="" w="9525">
                 <a:solidFill>
                   <a:srgbClr val="000000"/>
                 </a:solidFill>
@@ -11788,7 +11788,7 @@
               </a14:hiddenLine>
             </a:ext>
             <a:ext uri="{FAA26D3D-D897-4be2-8F04-BA451C77F1D7}">
-              <ma14:placeholderFlag xmlns="" xmlns:ma14="http://schemas.microsoft.com/office/mac/drawingml/2011/main" val="1"/>
+              <ma14:placeholderFlag xmlns:ma14="http://schemas.microsoft.com/office/mac/drawingml/2011/main" xmlns="" val="1"/>
             </a:ext>
           </a:extLst>
         </p:spPr>
@@ -12413,7 +12413,7 @@
           </a:ln>
           <a:extLst>
             <a:ext uri="{91240B29-F687-4f45-9708-019B960494DF}">
-              <a14:hiddenLine xmlns="" xmlns:a14="http://schemas.microsoft.com/office/drawing/2010/main" w="9525">
+              <a14:hiddenLine xmlns:a14="http://schemas.microsoft.com/office/drawing/2010/main" xmlns="" w="9525">
                 <a:solidFill>
                   <a:srgbClr val="000000"/>
                 </a:solidFill>
@@ -12560,14 +12560,14 @@
           </a:ln>
           <a:extLst>
             <a:ext uri="{909E8E84-426E-40dd-AFC4-6F175D3DCCD1}">
-              <a14:hiddenFill xmlns="" xmlns:a14="http://schemas.microsoft.com/office/drawing/2010/main">
+              <a14:hiddenFill xmlns:a14="http://schemas.microsoft.com/office/drawing/2010/main" xmlns="">
                 <a:solidFill>
                   <a:srgbClr val="FFFFFF"/>
                 </a:solidFill>
               </a14:hiddenFill>
             </a:ext>
             <a:ext uri="{91240B29-F687-4f45-9708-019B960494DF}">
-              <a14:hiddenLine xmlns="" xmlns:a14="http://schemas.microsoft.com/office/drawing/2010/main" w="9525">
+              <a14:hiddenLine xmlns:a14="http://schemas.microsoft.com/office/drawing/2010/main" xmlns="" w="9525">
                 <a:solidFill>
                   <a:srgbClr val="000000"/>
                 </a:solidFill>
@@ -12577,7 +12577,7 @@
               </a14:hiddenLine>
             </a:ext>
             <a:ext uri="{FAA26D3D-D897-4be2-8F04-BA451C77F1D7}">
-              <ma14:placeholderFlag xmlns="" xmlns:ma14="http://schemas.microsoft.com/office/mac/drawingml/2011/main" val="1"/>
+              <ma14:placeholderFlag xmlns:ma14="http://schemas.microsoft.com/office/mac/drawingml/2011/main" xmlns="" val="1"/>
             </a:ext>
           </a:extLst>
         </p:spPr>
@@ -13716,7 +13716,7 @@
           <p:cNvPr id="2" name="TextBox 1">
             <a:extLst>
               <a:ext uri="{FF2B5EF4-FFF2-40B4-BE49-F238E27FC236}">
-                <a16:creationId xmlns:a16="http://schemas.microsoft.com/office/drawing/2014/main" xmlns="" id="{D40CFE44-2141-7E4E-AE6F-F5B37447BEAB}"/>
+                <a16:creationId xmlns:a16="http://schemas.microsoft.com/office/drawing/2014/main" id="{D40CFE44-2141-7E4E-AE6F-F5B37447BEAB}"/>
               </a:ext>
             </a:extLst>
           </p:cNvPr>
@@ -13811,11 +13811,7 @@
             <a:pPr eaLnBrk="1" hangingPunct="1"/>
             <a:r>
               <a:rPr lang="en-US" dirty="0" smtClean="0"/>
-              <a:t>Sensor – TLE </a:t>
-            </a:r>
-            <a:r>
-              <a:rPr lang="en-US" dirty="0" smtClean="0"/>
-              <a:t>Data (</a:t>
+              <a:t>Sensor – TLE Data (</a:t>
             </a:r>
             <a:r>
               <a:rPr lang="en-US" dirty="0" err="1"/>
@@ -13864,13 +13860,8 @@
             </a:pPr>
             <a:r>
               <a:rPr lang="en-US" sz="2200" dirty="0" smtClean="0"/>
-              <a:t>TLE data elements are in the following format and the dat</a:t>
-            </a:r>
-            <a:r>
-              <a:rPr lang="en-US" sz="2200" dirty="0" smtClean="0"/>
-              <a:t>a will have to be extracted via an automated script and converted for use into SGP4 model</a:t>
-            </a:r>
-            <a:endParaRPr lang="en-US" sz="2200" dirty="0" smtClean="0"/>
+              <a:t>TLE data elements are in the following format and the data will have to be extracted via an automated script and converted for use into SGP4 model</a:t>
+            </a:r>
           </a:p>
           <a:p>
             <a:pPr marL="282575" lvl="1" indent="0">
@@ -13930,14 +13921,14 @@
           </a:ln>
           <a:extLst>
             <a:ext uri="{909E8E84-426E-40dd-AFC4-6F175D3DCCD1}">
-              <a14:hiddenFill xmlns="" xmlns:a14="http://schemas.microsoft.com/office/drawing/2010/main">
+              <a14:hiddenFill xmlns:a14="http://schemas.microsoft.com/office/drawing/2010/main" xmlns="">
                 <a:solidFill>
                   <a:srgbClr val="FFFFFF"/>
                 </a:solidFill>
               </a14:hiddenFill>
             </a:ext>
             <a:ext uri="{91240B29-F687-4f45-9708-019B960494DF}">
-              <a14:hiddenLine xmlns="" xmlns:a14="http://schemas.microsoft.com/office/drawing/2010/main" w="9525">
+              <a14:hiddenLine xmlns:a14="http://schemas.microsoft.com/office/drawing/2010/main" xmlns="" w="9525">
                 <a:solidFill>
                   <a:srgbClr val="000000"/>
                 </a:solidFill>
@@ -14058,11 +14049,7 @@
             <a:pPr eaLnBrk="1" hangingPunct="1"/>
             <a:r>
               <a:rPr lang="en-US" dirty="0" smtClean="0"/>
-              <a:t>Sensor – </a:t>
-            </a:r>
-            <a:r>
-              <a:rPr lang="en-US" dirty="0" smtClean="0"/>
-              <a:t>Truth Data</a:t>
+              <a:t>Sensor – Truth Data</a:t>
             </a:r>
             <a:endParaRPr lang="en-US" dirty="0"/>
           </a:p>
@@ -14240,14 +14227,14 @@
           </a:ln>
           <a:extLst>
             <a:ext uri="{909E8E84-426E-40dd-AFC4-6F175D3DCCD1}">
-              <a14:hiddenFill xmlns="" xmlns:a14="http://schemas.microsoft.com/office/drawing/2010/main">
+              <a14:hiddenFill xmlns:a14="http://schemas.microsoft.com/office/drawing/2010/main" xmlns="">
                 <a:solidFill>
                   <a:srgbClr val="FFFFFF"/>
                 </a:solidFill>
               </a14:hiddenFill>
             </a:ext>
             <a:ext uri="{91240B29-F687-4f45-9708-019B960494DF}">
-              <a14:hiddenLine xmlns="" xmlns:a14="http://schemas.microsoft.com/office/drawing/2010/main" w="9525">
+              <a14:hiddenLine xmlns:a14="http://schemas.microsoft.com/office/drawing/2010/main" xmlns="" w="9525">
                 <a:solidFill>
                   <a:srgbClr val="000000"/>
                 </a:solidFill>
@@ -14434,14 +14421,14 @@
           </a:ln>
           <a:extLst>
             <a:ext uri="{909E8E84-426E-40dd-AFC4-6F175D3DCCD1}">
-              <a14:hiddenFill xmlns="" xmlns:a14="http://schemas.microsoft.com/office/drawing/2010/main">
+              <a14:hiddenFill xmlns:a14="http://schemas.microsoft.com/office/drawing/2010/main" xmlns="">
                 <a:solidFill>
                   <a:srgbClr val="FFFFFF"/>
                 </a:solidFill>
               </a14:hiddenFill>
             </a:ext>
             <a:ext uri="{91240B29-F687-4f45-9708-019B960494DF}">
-              <a14:hiddenLine xmlns="" xmlns:a14="http://schemas.microsoft.com/office/drawing/2010/main" w="9525">
+              <a14:hiddenLine xmlns:a14="http://schemas.microsoft.com/office/drawing/2010/main" xmlns="" w="9525">
                 <a:solidFill>
                   <a:srgbClr val="000000"/>
                 </a:solidFill>
@@ -14686,14 +14673,14 @@
           </a:ln>
           <a:extLst>
             <a:ext uri="{909E8E84-426E-40dd-AFC4-6F175D3DCCD1}">
-              <a14:hiddenFill xmlns="" xmlns:a14="http://schemas.microsoft.com/office/drawing/2010/main">
+              <a14:hiddenFill xmlns:a14="http://schemas.microsoft.com/office/drawing/2010/main" xmlns="">
                 <a:solidFill>
                   <a:srgbClr val="FFFFFF"/>
                 </a:solidFill>
               </a14:hiddenFill>
             </a:ext>
             <a:ext uri="{91240B29-F687-4f45-9708-019B960494DF}">
-              <a14:hiddenLine xmlns="" xmlns:a14="http://schemas.microsoft.com/office/drawing/2010/main" w="9525">
+              <a14:hiddenLine xmlns:a14="http://schemas.microsoft.com/office/drawing/2010/main" xmlns="" w="9525">
                 <a:solidFill>
                   <a:srgbClr val="000000"/>
                 </a:solidFill>
@@ -14777,15 +14764,7 @@
           <a:p>
             <a:r>
               <a:rPr lang="en-US" sz="1200" i="1" dirty="0" smtClean="0"/>
-              <a:t>Composition of </a:t>
-            </a:r>
-            <a:r>
-              <a:rPr lang="en-US" sz="1200" i="1" dirty="0" smtClean="0"/>
-              <a:t>ILRS </a:t>
-            </a:r>
-            <a:r>
-              <a:rPr lang="en-US" sz="1200" i="1" dirty="0" smtClean="0"/>
-              <a:t>Truth Data</a:t>
+              <a:t>Composition of ILRS Truth Data</a:t>
             </a:r>
             <a:endParaRPr lang="en-US" sz="1200" i="1" dirty="0"/>
           </a:p>
@@ -15080,14 +15059,14 @@
           </a:ln>
           <a:extLst>
             <a:ext uri="{909E8E84-426E-40dd-AFC4-6F175D3DCCD1}">
-              <a14:hiddenFill xmlns="" xmlns:a14="http://schemas.microsoft.com/office/drawing/2010/main">
+              <a14:hiddenFill xmlns:a14="http://schemas.microsoft.com/office/drawing/2010/main" xmlns="">
                 <a:solidFill>
                   <a:srgbClr val="FFFFFF"/>
                 </a:solidFill>
               </a14:hiddenFill>
             </a:ext>
             <a:ext uri="{91240B29-F687-4f45-9708-019B960494DF}">
-              <a14:hiddenLine xmlns="" xmlns:a14="http://schemas.microsoft.com/office/drawing/2010/main" w="9525">
+              <a14:hiddenLine xmlns:a14="http://schemas.microsoft.com/office/drawing/2010/main" xmlns="" w="9525">
                 <a:solidFill>
                   <a:srgbClr val="000000"/>
                 </a:solidFill>
@@ -15315,14 +15294,14 @@
           </a:ln>
           <a:extLst>
             <a:ext uri="{909E8E84-426E-40dd-AFC4-6F175D3DCCD1}">
-              <a14:hiddenFill xmlns="" xmlns:a14="http://schemas.microsoft.com/office/drawing/2010/main">
+              <a14:hiddenFill xmlns:a14="http://schemas.microsoft.com/office/drawing/2010/main" xmlns="">
                 <a:solidFill>
                   <a:srgbClr val="FFFFFF"/>
                 </a:solidFill>
               </a14:hiddenFill>
             </a:ext>
             <a:ext uri="{91240B29-F687-4f45-9708-019B960494DF}">
-              <a14:hiddenLine xmlns="" xmlns:a14="http://schemas.microsoft.com/office/drawing/2010/main" w="9525">
+              <a14:hiddenLine xmlns:a14="http://schemas.microsoft.com/office/drawing/2010/main" xmlns="" w="9525">
                 <a:solidFill>
                   <a:srgbClr val="000000"/>
                 </a:solidFill>
@@ -15505,14 +15484,14 @@
           </a:ln>
           <a:extLst>
             <a:ext uri="{909E8E84-426E-40dd-AFC4-6F175D3DCCD1}">
-              <a14:hiddenFill xmlns="" xmlns:a14="http://schemas.microsoft.com/office/drawing/2010/main">
+              <a14:hiddenFill xmlns:a14="http://schemas.microsoft.com/office/drawing/2010/main" xmlns="">
                 <a:solidFill>
                   <a:srgbClr val="FFFFFF"/>
                 </a:solidFill>
               </a14:hiddenFill>
             </a:ext>
             <a:ext uri="{91240B29-F687-4f45-9708-019B960494DF}">
-              <a14:hiddenLine xmlns="" xmlns:a14="http://schemas.microsoft.com/office/drawing/2010/main" w="9525">
+              <a14:hiddenLine xmlns:a14="http://schemas.microsoft.com/office/drawing/2010/main" xmlns="" w="9525">
                 <a:solidFill>
                   <a:srgbClr val="000000"/>
                 </a:solidFill>
@@ -15778,14 +15757,14 @@
           </a:ln>
           <a:extLst>
             <a:ext uri="{909E8E84-426E-40dd-AFC4-6F175D3DCCD1}">
-              <a14:hiddenFill xmlns="" xmlns:a14="http://schemas.microsoft.com/office/drawing/2010/main">
+              <a14:hiddenFill xmlns:a14="http://schemas.microsoft.com/office/drawing/2010/main" xmlns="">
                 <a:solidFill>
                   <a:srgbClr val="FFFFFF"/>
                 </a:solidFill>
               </a14:hiddenFill>
             </a:ext>
             <a:ext uri="{91240B29-F687-4f45-9708-019B960494DF}">
-              <a14:hiddenLine xmlns="" xmlns:a14="http://schemas.microsoft.com/office/drawing/2010/main" w="9525">
+              <a14:hiddenLine xmlns:a14="http://schemas.microsoft.com/office/drawing/2010/main" xmlns="" w="9525">
                 <a:solidFill>
                   <a:srgbClr val="000000"/>
                 </a:solidFill>
@@ -15912,7 +15891,7 @@
           <p:cNvPr id="16" name="Picture 4">
             <a:extLst>
               <a:ext uri="{FF2B5EF4-FFF2-40B4-BE49-F238E27FC236}">
-                <a16:creationId xmlns:a16="http://schemas.microsoft.com/office/drawing/2014/main" xmlns="" id="{AD8E2C12-623A-4C4D-9B32-9F1EF75745E8}"/>
+                <a16:creationId xmlns:a16="http://schemas.microsoft.com/office/drawing/2014/main" id="{AD8E2C12-623A-4C4D-9B32-9F1EF75745E8}"/>
               </a:ext>
             </a:extLst>
           </p:cNvPr>
@@ -15948,14 +15927,14 @@
           </a:ln>
           <a:extLst>
             <a:ext uri="{909E8E84-426E-40dd-AFC4-6F175D3DCCD1}">
-              <a14:hiddenFill xmlns="" xmlns:a14="http://schemas.microsoft.com/office/drawing/2010/main">
+              <a14:hiddenFill xmlns:a14="http://schemas.microsoft.com/office/drawing/2010/main" xmlns="">
                 <a:solidFill>
                   <a:srgbClr val="FFFFFF"/>
                 </a:solidFill>
               </a14:hiddenFill>
             </a:ext>
             <a:ext uri="{91240B29-F687-4f45-9708-019B960494DF}">
-              <a14:hiddenLine xmlns="" xmlns:a14="http://schemas.microsoft.com/office/drawing/2010/main" w="9525">
+              <a14:hiddenLine xmlns:a14="http://schemas.microsoft.com/office/drawing/2010/main" xmlns="" w="9525">
                 <a:solidFill>
                   <a:srgbClr val="000000"/>
                 </a:solidFill>
@@ -15972,7 +15951,7 @@
           <p:cNvPr id="18" name="Content Placeholder 2">
             <a:extLst>
               <a:ext uri="{FF2B5EF4-FFF2-40B4-BE49-F238E27FC236}">
-                <a16:creationId xmlns:a16="http://schemas.microsoft.com/office/drawing/2014/main" xmlns="" id="{2E82F845-537C-7B40-B630-1F1C2CB54983}"/>
+                <a16:creationId xmlns:a16="http://schemas.microsoft.com/office/drawing/2014/main" id="{2E82F845-537C-7B40-B630-1F1C2CB54983}"/>
               </a:ext>
             </a:extLst>
           </p:cNvPr>
@@ -15995,14 +15974,14 @@
           </a:ln>
           <a:extLst>
             <a:ext uri="{909E8E84-426E-40dd-AFC4-6F175D3DCCD1}">
-              <a14:hiddenFill xmlns="" xmlns:a14="http://schemas.microsoft.com/office/drawing/2010/main">
+              <a14:hiddenFill xmlns:a14="http://schemas.microsoft.com/office/drawing/2010/main" xmlns="">
                 <a:solidFill>
                   <a:srgbClr val="FFFFFF"/>
                 </a:solidFill>
               </a14:hiddenFill>
             </a:ext>
             <a:ext uri="{91240B29-F687-4f45-9708-019B960494DF}">
-              <a14:hiddenLine xmlns="" xmlns:a14="http://schemas.microsoft.com/office/drawing/2010/main" w="9525">
+              <a14:hiddenLine xmlns:a14="http://schemas.microsoft.com/office/drawing/2010/main" xmlns="" w="9525">
                 <a:solidFill>
                   <a:srgbClr val="000000"/>
                 </a:solidFill>
@@ -16012,7 +15991,7 @@
               </a14:hiddenLine>
             </a:ext>
             <a:ext uri="{FAA26D3D-D897-4be2-8F04-BA451C77F1D7}">
-              <ma14:placeholderFlag xmlns="" xmlns:ma14="http://schemas.microsoft.com/office/mac/drawingml/2011/main" val="1"/>
+              <ma14:placeholderFlag xmlns:ma14="http://schemas.microsoft.com/office/mac/drawingml/2011/main" xmlns="" val="1"/>
             </a:ext>
           </a:extLst>
         </p:spPr>
@@ -16373,7 +16352,7 @@
           <p:cNvPr id="16" name="Picture 4">
             <a:extLst>
               <a:ext uri="{FF2B5EF4-FFF2-40B4-BE49-F238E27FC236}">
-                <a16:creationId xmlns:a16="http://schemas.microsoft.com/office/drawing/2014/main" xmlns="" id="{AD8E2C12-623A-4C4D-9B32-9F1EF75745E8}"/>
+                <a16:creationId xmlns:a16="http://schemas.microsoft.com/office/drawing/2014/main" id="{AD8E2C12-623A-4C4D-9B32-9F1EF75745E8}"/>
               </a:ext>
             </a:extLst>
           </p:cNvPr>
@@ -16409,14 +16388,14 @@
           </a:ln>
           <a:extLst>
             <a:ext uri="{909E8E84-426E-40dd-AFC4-6F175D3DCCD1}">
-              <a14:hiddenFill xmlns="" xmlns:a14="http://schemas.microsoft.com/office/drawing/2010/main">
+              <a14:hiddenFill xmlns:a14="http://schemas.microsoft.com/office/drawing/2010/main" xmlns="">
                 <a:solidFill>
                   <a:srgbClr val="FFFFFF"/>
                 </a:solidFill>
               </a14:hiddenFill>
             </a:ext>
             <a:ext uri="{91240B29-F687-4f45-9708-019B960494DF}">
-              <a14:hiddenLine xmlns="" xmlns:a14="http://schemas.microsoft.com/office/drawing/2010/main" w="9525">
+              <a14:hiddenLine xmlns:a14="http://schemas.microsoft.com/office/drawing/2010/main" xmlns="" w="9525">
                 <a:solidFill>
                   <a:srgbClr val="000000"/>
                 </a:solidFill>
@@ -16433,7 +16412,7 @@
           <p:cNvPr id="18" name="Content Placeholder 2">
             <a:extLst>
               <a:ext uri="{FF2B5EF4-FFF2-40B4-BE49-F238E27FC236}">
-                <a16:creationId xmlns:a16="http://schemas.microsoft.com/office/drawing/2014/main" xmlns="" id="{2E82F845-537C-7B40-B630-1F1C2CB54983}"/>
+                <a16:creationId xmlns:a16="http://schemas.microsoft.com/office/drawing/2014/main" id="{2E82F845-537C-7B40-B630-1F1C2CB54983}"/>
               </a:ext>
             </a:extLst>
           </p:cNvPr>
@@ -16456,14 +16435,14 @@
           </a:ln>
           <a:extLst>
             <a:ext uri="{909E8E84-426E-40dd-AFC4-6F175D3DCCD1}">
-              <a14:hiddenFill xmlns="" xmlns:a14="http://schemas.microsoft.com/office/drawing/2010/main">
+              <a14:hiddenFill xmlns:a14="http://schemas.microsoft.com/office/drawing/2010/main" xmlns="">
                 <a:solidFill>
                   <a:srgbClr val="FFFFFF"/>
                 </a:solidFill>
               </a14:hiddenFill>
             </a:ext>
             <a:ext uri="{91240B29-F687-4f45-9708-019B960494DF}">
-              <a14:hiddenLine xmlns="" xmlns:a14="http://schemas.microsoft.com/office/drawing/2010/main" w="9525">
+              <a14:hiddenLine xmlns:a14="http://schemas.microsoft.com/office/drawing/2010/main" xmlns="" w="9525">
                 <a:solidFill>
                   <a:srgbClr val="000000"/>
                 </a:solidFill>
@@ -16473,7 +16452,7 @@
               </a14:hiddenLine>
             </a:ext>
             <a:ext uri="{FAA26D3D-D897-4be2-8F04-BA451C77F1D7}">
-              <ma14:placeholderFlag xmlns="" xmlns:ma14="http://schemas.microsoft.com/office/mac/drawingml/2011/main" val="1"/>
+              <ma14:placeholderFlag xmlns:ma14="http://schemas.microsoft.com/office/mac/drawingml/2011/main" xmlns="" val="1"/>
             </a:ext>
           </a:extLst>
         </p:spPr>
@@ -16775,13 +16754,13 @@
         </p:nvSpPr>
         <p:spPr>
           <a:xfrm>
-            <a:off x="149225" y="1134838"/>
-            <a:ext cx="8651875" cy="3622900"/>
+            <a:off x="149225" y="1092071"/>
+            <a:ext cx="8858250" cy="3906650"/>
           </a:xfrm>
         </p:spPr>
         <p:txBody>
           <a:bodyPr>
-            <a:normAutofit fontScale="85000" lnSpcReduction="20000"/>
+            <a:normAutofit fontScale="77500" lnSpcReduction="20000"/>
           </a:bodyPr>
           <a:lstStyle/>
           <a:p>
@@ -16845,17 +16824,27 @@
             </a:pPr>
             <a:r>
               <a:rPr lang="en-US" dirty="0" smtClean="0"/>
-              <a:t>ML approach will be compared to Physics based SGP4 approach by using truth data obtained from the International Laser Ranging Service (ILRS).</a:t>
-            </a:r>
-          </a:p>
-          <a:p>
-            <a:pPr marL="292100" lvl="1" indent="-292100" eaLnBrk="1" hangingPunct="1">
-              <a:buFont typeface="Wingdings" pitchFamily="2" charset="2"/>
-              <a:buChar char="§"/>
-            </a:pPr>
+              <a:t>ML approach will be compared to Physics based SGP4 approach </a:t>
+            </a:r>
             <a:r>
               <a:rPr lang="en-US" dirty="0" smtClean="0"/>
-              <a:t>Project will result in a more accurate orbital prediction model that can be used for third party satellite monitoring when Supervised SVM approach is used.</a:t>
+              <a:t>to </a:t>
+            </a:r>
+            <a:r>
+              <a:rPr lang="en-US" dirty="0" smtClean="0"/>
+              <a:t>determine which approach is more accurate </a:t>
+            </a:r>
+            <a:r>
+              <a:rPr lang="en-US" dirty="0" smtClean="0"/>
+              <a:t>by calculating orbital errors based on truth </a:t>
+            </a:r>
+            <a:r>
+              <a:rPr lang="en-US" dirty="0" smtClean="0"/>
+              <a:t>data obtained from the International Laser Ranging Service (ILRS</a:t>
+            </a:r>
+            <a:r>
+              <a:rPr lang="en-US" dirty="0" smtClean="0"/>
+              <a:t>).</a:t>
             </a:r>
           </a:p>
           <a:p>
@@ -16864,27 +16853,102 @@
               <a:buChar char="§"/>
             </a:pPr>
             <a:r>
-              <a:rPr lang="en-US" b="1" u="sng" dirty="0" smtClean="0"/>
-              <a:t>ML Objective: </a:t>
-            </a:r>
-            <a:r>
               <a:rPr lang="en-US" dirty="0" smtClean="0"/>
-              <a:t>ML SVM approach will determine orbital errors due to perturbations, upon analyzing historical TLE data, to increase the accuracy of predicting orbital positions when compared to a </a:t>
-            </a:r>
-            <a:r>
-              <a:rPr lang="en-US" dirty="0" err="1" smtClean="0"/>
-              <a:t>phsyics</a:t>
+              <a:t>The same Two Line Element (TLE) data </a:t>
             </a:r>
             <a:r>
               <a:rPr lang="en-US" dirty="0" smtClean="0"/>
-              <a:t> based SGP4 approach</a:t>
-            </a:r>
-          </a:p>
-          <a:p>
-            <a:pPr marL="292100" lvl="2" indent="-292100" eaLnBrk="1" hangingPunct="1">
-              <a:buFont typeface="Wingdings" pitchFamily="2" charset="2"/>
-              <a:buChar char="§"/>
+              <a:t>obtained from a LEO satellite </a:t>
+            </a:r>
+            <a:r>
+              <a:rPr lang="en-US" dirty="0" smtClean="0"/>
+              <a:t>will be inputted to both the SGP4 and our SVM model to predict the satellites orbital position</a:t>
+            </a:r>
+          </a:p>
+          <a:p>
+            <a:pPr marL="0" lvl="1" indent="0" eaLnBrk="1" hangingPunct="1">
+              <a:buNone/>
             </a:pPr>
+            <a:endParaRPr lang="en-US" b="1" u="sng" dirty="0"/>
+          </a:p>
+          <a:p>
+            <a:pPr marL="0" lvl="1" indent="0" eaLnBrk="1" hangingPunct="1">
+              <a:buNone/>
+            </a:pPr>
+            <a:r>
+              <a:rPr lang="en-US" b="1" u="sng" dirty="0" smtClean="0">
+                <a:solidFill>
+                  <a:schemeClr val="accent2"/>
+                </a:solidFill>
+              </a:rPr>
+              <a:t>ML </a:t>
+            </a:r>
+            <a:r>
+              <a:rPr lang="en-US" b="1" u="sng" dirty="0" smtClean="0">
+                <a:solidFill>
+                  <a:schemeClr val="accent2"/>
+                </a:solidFill>
+              </a:rPr>
+              <a:t>Objective</a:t>
+            </a:r>
+            <a:r>
+              <a:rPr lang="en-US" b="1" dirty="0" smtClean="0"/>
+              <a:t>: </a:t>
+            </a:r>
+            <a:r>
+              <a:rPr lang="en-US" dirty="0" smtClean="0"/>
+              <a:t>Develop a ML </a:t>
+            </a:r>
+            <a:r>
+              <a:rPr lang="en-US" dirty="0"/>
+              <a:t>model </a:t>
+            </a:r>
+            <a:r>
+              <a:rPr lang="en-US" dirty="0" smtClean="0"/>
+              <a:t>that increases </a:t>
+            </a:r>
+            <a:r>
+              <a:rPr lang="en-US" dirty="0"/>
+              <a:t>the accuracy of predicting orbital positions when compared to a physics based SGP4 approach</a:t>
+            </a:r>
+            <a:r>
+              <a:rPr lang="en-US" dirty="0" smtClean="0"/>
+              <a:t>. Our</a:t>
+            </a:r>
+            <a:endParaRPr lang="en-US" dirty="0"/>
+          </a:p>
+          <a:p>
+            <a:pPr marL="0" lvl="1" indent="0" eaLnBrk="1" hangingPunct="1">
+              <a:buNone/>
+            </a:pPr>
+            <a:r>
+              <a:rPr lang="en-US" dirty="0" smtClean="0"/>
+              <a:t>ML </a:t>
+            </a:r>
+            <a:r>
+              <a:rPr lang="en-US" dirty="0" smtClean="0"/>
+              <a:t>SVM approach will determine orbital errors </a:t>
+            </a:r>
+            <a:r>
+              <a:rPr lang="en-US" dirty="0" smtClean="0"/>
+              <a:t>caused by perturbations </a:t>
+            </a:r>
+            <a:r>
+              <a:rPr lang="en-US" smtClean="0"/>
+              <a:t>through learning </a:t>
+            </a:r>
+            <a:r>
+              <a:rPr lang="en-US" dirty="0" smtClean="0"/>
+              <a:t>historical </a:t>
+            </a:r>
+            <a:r>
+              <a:rPr lang="en-US" dirty="0" smtClean="0"/>
+              <a:t>TLE </a:t>
+            </a:r>
+            <a:r>
+              <a:rPr lang="en-US" dirty="0" smtClean="0"/>
+              <a:t>data. </a:t>
+            </a:r>
             <a:endParaRPr lang="en-US" dirty="0" smtClean="0"/>
           </a:p>
           <a:p>
@@ -16898,7 +16962,7 @@
           <p:cNvPr id="6" name="Picture 4">
             <a:extLst>
               <a:ext uri="{FF2B5EF4-FFF2-40B4-BE49-F238E27FC236}">
-                <a16:creationId xmlns:a16="http://schemas.microsoft.com/office/drawing/2014/main" xmlns="" id="{03B380C4-BE3F-5E49-97EA-83FA9E9CAD28}"/>
+                <a16:creationId xmlns:a16="http://schemas.microsoft.com/office/drawing/2014/main" id="{03B380C4-BE3F-5E49-97EA-83FA9E9CAD28}"/>
               </a:ext>
             </a:extLst>
           </p:cNvPr>
@@ -16934,14 +16998,14 @@
           </a:ln>
           <a:extLst>
             <a:ext uri="{909E8E84-426E-40dd-AFC4-6F175D3DCCD1}">
-              <a14:hiddenFill xmlns="" xmlns:a14="http://schemas.microsoft.com/office/drawing/2010/main">
+              <a14:hiddenFill xmlns:a14="http://schemas.microsoft.com/office/drawing/2010/main" xmlns="">
                 <a:solidFill>
                   <a:srgbClr val="FFFFFF"/>
                 </a:solidFill>
               </a14:hiddenFill>
             </a:ext>
             <a:ext uri="{91240B29-F687-4f45-9708-019B960494DF}">
-              <a14:hiddenLine xmlns="" xmlns:a14="http://schemas.microsoft.com/office/drawing/2010/main" w="9525">
+              <a14:hiddenLine xmlns:a14="http://schemas.microsoft.com/office/drawing/2010/main" xmlns="" w="9525">
                 <a:solidFill>
                   <a:srgbClr val="000000"/>
                 </a:solidFill>
@@ -17059,11 +17123,7 @@
             </a:r>
             <a:r>
               <a:rPr lang="en-US" sz="2200" dirty="0" smtClean="0"/>
-              <a:t>Project </a:t>
-            </a:r>
-            <a:r>
-              <a:rPr lang="en-US" sz="2200" dirty="0" smtClean="0"/>
-              <a:t>Objective</a:t>
+              <a:t>Project Objective</a:t>
             </a:r>
             <a:endParaRPr lang="en-US" sz="2200" dirty="0"/>
           </a:p>
@@ -17082,52 +17142,16 @@
               <a:rPr lang="en-US" sz="2200" dirty="0" smtClean="0">
                 <a:ea typeface="ＭＳ Ｐゴシック" charset="0"/>
               </a:rPr>
-              <a:t>Goal: Obtain orbital data needed to build a </a:t>
-            </a:r>
+              <a:t>Goal: Obtain orbital data needed to build a satellites position from orbital mechanics equations.</a:t>
+            </a:r>
+          </a:p>
+          <a:p>
+            <a:pPr lvl="2"/>
             <a:r>
               <a:rPr lang="en-US" sz="2200" dirty="0" smtClean="0">
                 <a:ea typeface="ＭＳ Ｐゴシック" charset="0"/>
               </a:rPr>
-              <a:t>satellites </a:t>
-            </a:r>
-            <a:r>
-              <a:rPr lang="en-US" sz="2200" dirty="0" smtClean="0">
-                <a:ea typeface="ＭＳ Ｐゴシック" charset="0"/>
-              </a:rPr>
-              <a:t>position from orbital mechanics equations.</a:t>
-            </a:r>
-          </a:p>
-          <a:p>
-            <a:pPr lvl="2"/>
-            <a:r>
-              <a:rPr lang="en-US" sz="2200" dirty="0" smtClean="0">
-                <a:ea typeface="ＭＳ Ｐゴシック" charset="0"/>
-              </a:rPr>
-              <a:t>Technical Approach: Obtain 6 months of </a:t>
-            </a:r>
-            <a:r>
-              <a:rPr lang="en-US" sz="2200" dirty="0" smtClean="0">
-                <a:ea typeface="ＭＳ Ｐゴシック" charset="0"/>
-              </a:rPr>
-              <a:t>Training </a:t>
-            </a:r>
-            <a:r>
-              <a:rPr lang="en-US" sz="2200" dirty="0" smtClean="0">
-                <a:ea typeface="ＭＳ Ｐゴシック" charset="0"/>
-              </a:rPr>
-              <a:t>Data and 1 Month </a:t>
-            </a:r>
-            <a:r>
-              <a:rPr lang="en-US" sz="2200" dirty="0" smtClean="0">
-                <a:ea typeface="ＭＳ Ｐゴシック" charset="0"/>
-              </a:rPr>
-              <a:t>test </a:t>
-            </a:r>
-            <a:r>
-              <a:rPr lang="en-US" sz="2200" dirty="0" smtClean="0">
-                <a:ea typeface="ＭＳ Ｐゴシック" charset="0"/>
-              </a:rPr>
-              <a:t>data for training the Machine Learning Algorithm. </a:t>
+              <a:t>Technical Approach: Obtain 6 months of Training Data and 1 Month test data for training the Machine Learning Algorithm. </a:t>
             </a:r>
           </a:p>
           <a:p>
@@ -17151,19 +17175,7 @@
               <a:rPr lang="en-US" sz="2200" dirty="0" smtClean="0">
                 <a:ea typeface="ＭＳ Ｐゴシック" charset="0"/>
               </a:rPr>
-              <a:t>: Capture </a:t>
-            </a:r>
-            <a:r>
-              <a:rPr lang="en-US" sz="2200" dirty="0" smtClean="0">
-                <a:ea typeface="ＭＳ Ｐゴシック" charset="0"/>
-              </a:rPr>
-              <a:t>data </a:t>
-            </a:r>
-            <a:r>
-              <a:rPr lang="en-US" sz="2200" dirty="0" smtClean="0">
-                <a:ea typeface="ＭＳ Ｐゴシック" charset="0"/>
-              </a:rPr>
-              <a:t>with </a:t>
+              <a:t>: Capture data with </a:t>
             </a:r>
             <a:r>
               <a:rPr lang="en-US" sz="2200" dirty="0" err="1" smtClean="0">
@@ -17193,23 +17205,8 @@
               <a:rPr lang="en-US" sz="2200" dirty="0" smtClean="0">
                 <a:ea typeface="ＭＳ Ｐゴシック" charset="0"/>
               </a:rPr>
-              <a:t>: Extract </a:t>
-            </a:r>
-            <a:r>
-              <a:rPr lang="en-US" sz="2200" dirty="0" smtClean="0">
-                <a:ea typeface="ＭＳ Ｐゴシック" charset="0"/>
-              </a:rPr>
-              <a:t>both physics propagated dat</a:t>
-            </a:r>
-            <a:r>
-              <a:rPr lang="en-US" sz="2200" dirty="0" smtClean="0">
-                <a:ea typeface="ＭＳ Ｐゴシック" charset="0"/>
-              </a:rPr>
-              <a:t>a and truth data to compare with Machine Learning propagation model</a:t>
-            </a:r>
-            <a:endParaRPr lang="en-US" sz="2200" dirty="0" smtClean="0">
-              <a:ea typeface="ＭＳ Ｐゴシック" charset="0"/>
-            </a:endParaRPr>
+              <a:t>: Extract both physics propagated data and truth data to compare with Machine Learning propagation model</a:t>
+            </a:r>
           </a:p>
           <a:p>
             <a:pPr marL="282575" lvl="1" indent="0">
@@ -17278,14 +17275,14 @@
           </a:ln>
           <a:extLst>
             <a:ext uri="{909E8E84-426E-40dd-AFC4-6F175D3DCCD1}">
-              <a14:hiddenFill xmlns="" xmlns:a14="http://schemas.microsoft.com/office/drawing/2010/main">
+              <a14:hiddenFill xmlns:a14="http://schemas.microsoft.com/office/drawing/2010/main" xmlns="">
                 <a:solidFill>
                   <a:srgbClr val="FFFFFF"/>
                 </a:solidFill>
               </a14:hiddenFill>
             </a:ext>
             <a:ext uri="{91240B29-F687-4f45-9708-019B960494DF}">
-              <a14:hiddenLine xmlns="" xmlns:a14="http://schemas.microsoft.com/office/drawing/2010/main" w="9525">
+              <a14:hiddenLine xmlns:a14="http://schemas.microsoft.com/office/drawing/2010/main" xmlns="" w="9525">
                 <a:solidFill>
                   <a:srgbClr val="000000"/>
                 </a:solidFill>
@@ -17532,14 +17529,14 @@
           </a:ln>
           <a:extLst>
             <a:ext uri="{909E8E84-426E-40dd-AFC4-6F175D3DCCD1}">
-              <a14:hiddenFill xmlns="" xmlns:a14="http://schemas.microsoft.com/office/drawing/2010/main">
+              <a14:hiddenFill xmlns:a14="http://schemas.microsoft.com/office/drawing/2010/main" xmlns="">
                 <a:solidFill>
                   <a:srgbClr val="FFFFFF"/>
                 </a:solidFill>
               </a14:hiddenFill>
             </a:ext>
             <a:ext uri="{91240B29-F687-4f45-9708-019B960494DF}">
-              <a14:hiddenLine xmlns="" xmlns:a14="http://schemas.microsoft.com/office/drawing/2010/main" w="9525">
+              <a14:hiddenLine xmlns:a14="http://schemas.microsoft.com/office/drawing/2010/main" xmlns="" w="9525">
                 <a:solidFill>
                   <a:srgbClr val="000000"/>
                 </a:solidFill>
@@ -17719,14 +17716,14 @@
           </a:ln>
           <a:extLst>
             <a:ext uri="{909E8E84-426E-40dd-AFC4-6F175D3DCCD1}">
-              <a14:hiddenFill xmlns="" xmlns:a14="http://schemas.microsoft.com/office/drawing/2010/main">
+              <a14:hiddenFill xmlns:a14="http://schemas.microsoft.com/office/drawing/2010/main" xmlns="">
                 <a:solidFill>
                   <a:srgbClr val="FFFFFF"/>
                 </a:solidFill>
               </a14:hiddenFill>
             </a:ext>
             <a:ext uri="{91240B29-F687-4f45-9708-019B960494DF}">
-              <a14:hiddenLine xmlns="" xmlns:a14="http://schemas.microsoft.com/office/drawing/2010/main" w="9525">
+              <a14:hiddenLine xmlns:a14="http://schemas.microsoft.com/office/drawing/2010/main" xmlns="" w="9525">
                 <a:solidFill>
                   <a:srgbClr val="000000"/>
                 </a:solidFill>
@@ -18033,14 +18030,14 @@
           </a:ln>
           <a:extLst>
             <a:ext uri="{909E8E84-426E-40dd-AFC4-6F175D3DCCD1}">
-              <a14:hiddenFill xmlns="" xmlns:a14="http://schemas.microsoft.com/office/drawing/2010/main">
+              <a14:hiddenFill xmlns:a14="http://schemas.microsoft.com/office/drawing/2010/main" xmlns="">
                 <a:solidFill>
                   <a:srgbClr val="FFFFFF"/>
                 </a:solidFill>
               </a14:hiddenFill>
             </a:ext>
             <a:ext uri="{91240B29-F687-4f45-9708-019B960494DF}">
-              <a14:hiddenLine xmlns="" xmlns:a14="http://schemas.microsoft.com/office/drawing/2010/main" w="9525">
+              <a14:hiddenLine xmlns:a14="http://schemas.microsoft.com/office/drawing/2010/main" xmlns="" w="9525">
                 <a:solidFill>
                   <a:srgbClr val="000000"/>
                 </a:solidFill>
